--- a/2025_Б_ПІ_ПЗПІ-21-6_Ткаченко_С_М.pptx
+++ b/2025_Б_ПІ_ПЗПІ-21-6_Ткаченко_С_М.pptx
@@ -5,7 +5,7 @@
     <p:sldMasterId id="2147483659" r:id="rId1"/>
   </p:sldMasterIdLst>
   <p:notesMasterIdLst>
-    <p:notesMasterId r:id="rId18"/>
+    <p:notesMasterId r:id="rId17"/>
   </p:notesMasterIdLst>
   <p:sldIdLst>
     <p:sldId id="256" r:id="rId2"/>
@@ -19,35 +19,34 @@
     <p:sldId id="275" r:id="rId10"/>
     <p:sldId id="276" r:id="rId11"/>
     <p:sldId id="271" r:id="rId12"/>
-    <p:sldId id="274" r:id="rId13"/>
-    <p:sldId id="273" r:id="rId14"/>
-    <p:sldId id="265" r:id="rId15"/>
-    <p:sldId id="272" r:id="rId16"/>
-    <p:sldId id="267" r:id="rId17"/>
+    <p:sldId id="273" r:id="rId13"/>
+    <p:sldId id="265" r:id="rId14"/>
+    <p:sldId id="272" r:id="rId15"/>
+    <p:sldId id="267" r:id="rId16"/>
   </p:sldIdLst>
   <p:sldSz cx="9144000" cy="5143500" type="screen16x9"/>
   <p:notesSz cx="6858000" cy="9144000"/>
   <p:embeddedFontLst>
     <p:embeddedFont>
-      <p:font typeface="Calibri" panose="020F0502020204030204" pitchFamily="34" charset="0"/>
-      <p:regular r:id="rId19"/>
-      <p:bold r:id="rId20"/>
-      <p:italic r:id="rId21"/>
-      <p:boldItalic r:id="rId22"/>
+      <p:font typeface="Economica" panose="020B0604020202020204" charset="0"/>
+      <p:regular r:id="rId18"/>
+      <p:bold r:id="rId19"/>
+      <p:italic r:id="rId20"/>
+      <p:boldItalic r:id="rId21"/>
     </p:embeddedFont>
     <p:embeddedFont>
-      <p:font typeface="Economica" panose="020B0604020202020204" charset="0"/>
-      <p:regular r:id="rId23"/>
-      <p:bold r:id="rId24"/>
-      <p:italic r:id="rId25"/>
-      <p:boldItalic r:id="rId26"/>
+      <p:font typeface="Calibri" panose="020F0502020204030204" pitchFamily="34" charset="0"/>
+      <p:regular r:id="rId22"/>
+      <p:bold r:id="rId23"/>
+      <p:italic r:id="rId24"/>
+      <p:boldItalic r:id="rId25"/>
     </p:embeddedFont>
     <p:embeddedFont>
-      <p:font typeface="Open Sans" panose="020B0606030504020204" pitchFamily="34" charset="0"/>
-      <p:regular r:id="rId27"/>
-      <p:bold r:id="rId28"/>
-      <p:italic r:id="rId29"/>
-      <p:boldItalic r:id="rId30"/>
+      <p:font typeface="Open Sans" panose="020B0604020202020204" charset="0"/>
+      <p:regular r:id="rId26"/>
+      <p:bold r:id="rId27"/>
+      <p:italic r:id="rId28"/>
+      <p:boldItalic r:id="rId29"/>
     </p:embeddedFont>
   </p:embeddedFontLst>
   <p:defaultTextStyle>
@@ -1165,7 +1164,7 @@
     </p:spTree>
     <p:extLst>
       <p:ext uri="{BB962C8B-B14F-4D97-AF65-F5344CB8AC3E}">
-        <p14:creationId xmlns:p14="http://schemas.microsoft.com/office/powerpoint/2010/main" val="3450122977"/>
+        <p14:creationId xmlns:p14="http://schemas.microsoft.com/office/powerpoint/2010/main" val="1737738818"/>
       </p:ext>
     </p:extLst>
   </p:cSld>
@@ -1272,11 +1271,6 @@
         </p:txBody>
       </p:sp>
     </p:spTree>
-    <p:extLst>
-      <p:ext uri="{BB962C8B-B14F-4D97-AF65-F5344CB8AC3E}">
-        <p14:creationId xmlns:p14="http://schemas.microsoft.com/office/powerpoint/2010/main" val="1737738818"/>
-      </p:ext>
-    </p:extLst>
   </p:cSld>
   <p:clrMapOvr>
     <a:masterClrMapping/>
@@ -1381,110 +1375,6 @@
         </p:txBody>
       </p:sp>
     </p:spTree>
-  </p:cSld>
-  <p:clrMapOvr>
-    <a:masterClrMapping/>
-  </p:clrMapOvr>
-</p:notes>
-</file>
-
-<file path=ppt/notesSlides/notesSlide15.xml><?xml version="1.0" encoding="utf-8"?>
-<p:notes xmlns:a="http://schemas.openxmlformats.org/drawingml/2006/main" xmlns:r="http://schemas.openxmlformats.org/officeDocument/2006/relationships" xmlns:p="http://schemas.openxmlformats.org/presentationml/2006/main" showMasterSp="0" showMasterPhAnim="0">
-  <p:cSld>
-    <p:spTree>
-      <p:nvGrpSpPr>
-        <p:cNvPr id="1" name="Shape 123"/>
-        <p:cNvGrpSpPr/>
-        <p:nvPr/>
-      </p:nvGrpSpPr>
-      <p:grpSpPr>
-        <a:xfrm>
-          <a:off x="0" y="0"/>
-          <a:ext cx="0" cy="0"/>
-          <a:chOff x="0" y="0"/>
-          <a:chExt cx="0" cy="0"/>
-        </a:xfrm>
-      </p:grpSpPr>
-      <p:sp>
-        <p:nvSpPr>
-          <p:cNvPr id="124" name="Google Shape;124;g2e16b2adad1_0_40:notes"/>
-          <p:cNvSpPr>
-            <a:spLocks noGrp="1" noRot="1" noChangeAspect="1"/>
-          </p:cNvSpPr>
-          <p:nvPr>
-            <p:ph type="sldImg" idx="2"/>
-          </p:nvPr>
-        </p:nvSpPr>
-        <p:spPr>
-          <a:xfrm>
-            <a:off x="381000" y="685800"/>
-            <a:ext cx="6096000" cy="3429000"/>
-          </a:xfrm>
-          <a:custGeom>
-            <a:avLst/>
-            <a:gdLst/>
-            <a:ahLst/>
-            <a:cxnLst/>
-            <a:rect l="l" t="t" r="r" b="b"/>
-            <a:pathLst>
-              <a:path w="120000" h="120000" extrusionOk="0">
-                <a:moveTo>
-                  <a:pt x="0" y="0"/>
-                </a:moveTo>
-                <a:lnTo>
-                  <a:pt x="120000" y="0"/>
-                </a:lnTo>
-                <a:lnTo>
-                  <a:pt x="120000" y="120000"/>
-                </a:lnTo>
-                <a:lnTo>
-                  <a:pt x="0" y="120000"/>
-                </a:lnTo>
-                <a:close/>
-              </a:path>
-            </a:pathLst>
-          </a:custGeom>
-        </p:spPr>
-      </p:sp>
-      <p:sp>
-        <p:nvSpPr>
-          <p:cNvPr id="125" name="Google Shape;125;g2e16b2adad1_0_40:notes"/>
-          <p:cNvSpPr txBox="1">
-            <a:spLocks noGrp="1"/>
-          </p:cNvSpPr>
-          <p:nvPr>
-            <p:ph type="body" idx="1"/>
-          </p:nvPr>
-        </p:nvSpPr>
-        <p:spPr>
-          <a:xfrm>
-            <a:off x="685800" y="4343400"/>
-            <a:ext cx="5486400" cy="4114800"/>
-          </a:xfrm>
-          <a:prstGeom prst="rect">
-            <a:avLst/>
-          </a:prstGeom>
-        </p:spPr>
-        <p:txBody>
-          <a:bodyPr spcFirstLastPara="1" wrap="square" lIns="91425" tIns="91425" rIns="91425" bIns="91425" anchor="t" anchorCtr="0">
-            <a:noAutofit/>
-          </a:bodyPr>
-          <a:lstStyle/>
-          <a:p>
-            <a:pPr marL="0" lvl="0" indent="0" algn="l" rtl="0">
-              <a:spcBef>
-                <a:spcPts val="0"/>
-              </a:spcBef>
-              <a:spcAft>
-                <a:spcPts val="0"/>
-              </a:spcAft>
-              <a:buNone/>
-            </a:pPr>
-            <a:endParaRPr/>
-          </a:p>
-        </p:txBody>
-      </p:sp>
-    </p:spTree>
     <p:extLst>
       <p:ext uri="{BB962C8B-B14F-4D97-AF65-F5344CB8AC3E}">
         <p14:creationId xmlns:p14="http://schemas.microsoft.com/office/powerpoint/2010/main" val="2051810360"/>
@@ -1497,7 +1387,7 @@
 </p:notes>
 </file>
 
-<file path=ppt/notesSlides/notesSlide16.xml><?xml version="1.0" encoding="utf-8"?>
+<file path=ppt/notesSlides/notesSlide15.xml><?xml version="1.0" encoding="utf-8"?>
 <p:notes xmlns:a="http://schemas.openxmlformats.org/drawingml/2006/main" xmlns:r="http://schemas.openxmlformats.org/officeDocument/2006/relationships" xmlns:p="http://schemas.openxmlformats.org/presentationml/2006/main" showMasterSp="0" showMasterPhAnim="0">
   <p:cSld>
     <p:spTree>
@@ -9392,7 +9282,7 @@
     </p:spTree>
     <p:extLst>
       <p:ext uri="{BB962C8B-B14F-4D97-AF65-F5344CB8AC3E}">
-        <p14:creationId xmlns:p14="http://schemas.microsoft.com/office/powerpoint/2010/main" val="2334135345"/>
+        <p14:creationId xmlns:p14="http://schemas.microsoft.com/office/powerpoint/2010/main" val="600277595"/>
       </p:ext>
     </p:extLst>
   </p:cSld>
@@ -9478,311 +9368,6 @@
             <a:fld id="{A35EEF41-5B9E-4186-8855-3C8162DCC2D6}" type="slidenum">
               <a:rPr lang="uk-UA" smtClean="0"/>
               <a:t>13</a:t>
-            </a:fld>
-            <a:endParaRPr lang="uk-UA" dirty="0"/>
-          </a:p>
-        </p:txBody>
-      </p:sp>
-      <p:sp>
-        <p:nvSpPr>
-          <p:cNvPr id="13" name="Google Shape;71;p14">
-            <a:extLst>
-              <a:ext uri="{FF2B5EF4-FFF2-40B4-BE49-F238E27FC236}">
-                <a16:creationId xmlns:a16="http://schemas.microsoft.com/office/drawing/2014/main" id="{BDFC5888-40B4-4782-B8C7-4CE9EBE2DE19}"/>
-              </a:ext>
-            </a:extLst>
-          </p:cNvPr>
-          <p:cNvSpPr txBox="1">
-            <a:spLocks noGrp="1"/>
-          </p:cNvSpPr>
-          <p:nvPr>
-            <p:ph type="title"/>
-          </p:nvPr>
-        </p:nvSpPr>
-        <p:spPr>
-          <a:xfrm>
-            <a:off x="311700" y="-1"/>
-            <a:ext cx="8520600" cy="1055077"/>
-          </a:xfrm>
-          <a:prstGeom prst="rect">
-            <a:avLst/>
-          </a:prstGeom>
-        </p:spPr>
-        <p:txBody>
-          <a:bodyPr spcFirstLastPara="1" wrap="square" lIns="91425" tIns="91425" rIns="91425" bIns="91425" anchor="b" anchorCtr="0">
-            <a:normAutofit fontScale="90000"/>
-          </a:bodyPr>
-          <a:lstStyle/>
-          <a:p>
-            <a:pPr marL="0" lvl="0" indent="0" algn="l" rtl="0">
-              <a:spcBef>
-                <a:spcPts val="0"/>
-              </a:spcBef>
-              <a:spcAft>
-                <a:spcPts val="0"/>
-              </a:spcAft>
-              <a:buNone/>
-            </a:pPr>
-            <a:r>
-              <a:rPr lang="uk-UA" sz="3200" b="1" dirty="0">
-                <a:latin typeface="Calibri" panose="020F0502020204030204" pitchFamily="34" charset="0"/>
-                <a:ea typeface="Calibri" panose="020F0502020204030204" pitchFamily="34" charset="0"/>
-                <a:cs typeface="Calibri" panose="020F0502020204030204" pitchFamily="34" charset="0"/>
-              </a:rPr>
-              <a:t>Інтерфейси системи: авторизація та профіль користувача</a:t>
-            </a:r>
-            <a:endParaRPr sz="3200" b="1" dirty="0">
-              <a:latin typeface="Calibri" panose="020F0502020204030204" pitchFamily="34" charset="0"/>
-              <a:ea typeface="Calibri" panose="020F0502020204030204" pitchFamily="34" charset="0"/>
-              <a:cs typeface="Calibri" panose="020F0502020204030204" pitchFamily="34" charset="0"/>
-            </a:endParaRPr>
-          </a:p>
-        </p:txBody>
-      </p:sp>
-      <p:pic>
-        <p:nvPicPr>
-          <p:cNvPr id="7" name="Picture 6">
-            <a:extLst>
-              <a:ext uri="{FF2B5EF4-FFF2-40B4-BE49-F238E27FC236}">
-                <a16:creationId xmlns:a16="http://schemas.microsoft.com/office/drawing/2014/main" id="{7A8A6F0B-F8E7-47A1-BF2F-FFA623FAF2BE}"/>
-              </a:ext>
-            </a:extLst>
-          </p:cNvPr>
-          <p:cNvPicPr/>
-          <p:nvPr/>
-        </p:nvPicPr>
-        <p:blipFill rotWithShape="1">
-          <a:blip r:embed="rId4"/>
-          <a:srcRect l="1517" r="4674" b="4176"/>
-          <a:stretch/>
-        </p:blipFill>
-        <p:spPr bwMode="auto">
-          <a:xfrm>
-            <a:off x="1018515" y="1103881"/>
-            <a:ext cx="3808233" cy="1864823"/>
-          </a:xfrm>
-          <a:prstGeom prst="rect">
-            <a:avLst/>
-          </a:prstGeom>
-          <a:ln>
-            <a:noFill/>
-          </a:ln>
-          <a:effectLst>
-            <a:outerShdw blurRad="292100" dist="139700" dir="2700000" algn="tl" rotWithShape="0">
-              <a:srgbClr val="333333">
-                <a:alpha val="65000"/>
-              </a:srgbClr>
-            </a:outerShdw>
-          </a:effectLst>
-          <a:extLst>
-            <a:ext uri="{53640926-AAD7-44D8-BBD7-CCE9431645EC}">
-              <a14:shadowObscured xmlns:a14="http://schemas.microsoft.com/office/drawing/2010/main"/>
-            </a:ext>
-          </a:extLst>
-        </p:spPr>
-      </p:pic>
-      <p:pic>
-        <p:nvPicPr>
-          <p:cNvPr id="8" name="Picture 7">
-            <a:extLst>
-              <a:ext uri="{FF2B5EF4-FFF2-40B4-BE49-F238E27FC236}">
-                <a16:creationId xmlns:a16="http://schemas.microsoft.com/office/drawing/2014/main" id="{08ED113D-E44B-4D08-AAE5-374DEAA8BC28}"/>
-              </a:ext>
-            </a:extLst>
-          </p:cNvPr>
-          <p:cNvPicPr/>
-          <p:nvPr/>
-        </p:nvPicPr>
-        <p:blipFill rotWithShape="1">
-          <a:blip r:embed="rId5"/>
-          <a:srcRect l="-1" r="48840"/>
-          <a:stretch/>
-        </p:blipFill>
-        <p:spPr>
-          <a:xfrm>
-            <a:off x="4908612" y="1103881"/>
-            <a:ext cx="3706600" cy="3118366"/>
-          </a:xfrm>
-          <a:prstGeom prst="rect">
-            <a:avLst/>
-          </a:prstGeom>
-          <a:ln>
-            <a:noFill/>
-          </a:ln>
-          <a:effectLst>
-            <a:outerShdw blurRad="292100" dist="139700" dir="2700000" algn="tl" rotWithShape="0">
-              <a:srgbClr val="333333">
-                <a:alpha val="65000"/>
-              </a:srgbClr>
-            </a:outerShdw>
-          </a:effectLst>
-        </p:spPr>
-      </p:pic>
-      <p:pic>
-        <p:nvPicPr>
-          <p:cNvPr id="12" name="Picture 11">
-            <a:extLst>
-              <a:ext uri="{FF2B5EF4-FFF2-40B4-BE49-F238E27FC236}">
-                <a16:creationId xmlns:a16="http://schemas.microsoft.com/office/drawing/2014/main" id="{D0572740-0ED6-4940-A71B-D74E51CFF664}"/>
-              </a:ext>
-            </a:extLst>
-          </p:cNvPr>
-          <p:cNvPicPr/>
-          <p:nvPr/>
-        </p:nvPicPr>
-        <p:blipFill>
-          <a:blip r:embed="rId6"/>
-          <a:stretch>
-            <a:fillRect/>
-          </a:stretch>
-        </p:blipFill>
-        <p:spPr>
-          <a:xfrm>
-            <a:off x="1004255" y="3054880"/>
-            <a:ext cx="1985130" cy="1167367"/>
-          </a:xfrm>
-          <a:prstGeom prst="rect">
-            <a:avLst/>
-          </a:prstGeom>
-          <a:ln>
-            <a:noFill/>
-          </a:ln>
-          <a:effectLst>
-            <a:outerShdw blurRad="292100" dist="139700" dir="2700000" algn="tl" rotWithShape="0">
-              <a:srgbClr val="333333">
-                <a:alpha val="65000"/>
-              </a:srgbClr>
-            </a:outerShdw>
-          </a:effectLst>
-        </p:spPr>
-      </p:pic>
-      <p:pic>
-        <p:nvPicPr>
-          <p:cNvPr id="14" name="Picture 13">
-            <a:extLst>
-              <a:ext uri="{FF2B5EF4-FFF2-40B4-BE49-F238E27FC236}">
-                <a16:creationId xmlns:a16="http://schemas.microsoft.com/office/drawing/2014/main" id="{11970D19-2119-4725-96FE-2096593EF513}"/>
-              </a:ext>
-            </a:extLst>
-          </p:cNvPr>
-          <p:cNvPicPr/>
-          <p:nvPr/>
-        </p:nvPicPr>
-        <p:blipFill>
-          <a:blip r:embed="rId7"/>
-          <a:stretch>
-            <a:fillRect/>
-          </a:stretch>
-        </p:blipFill>
-        <p:spPr>
-          <a:xfrm>
-            <a:off x="3071249" y="3054880"/>
-            <a:ext cx="1755499" cy="1167367"/>
-          </a:xfrm>
-          <a:prstGeom prst="rect">
-            <a:avLst/>
-          </a:prstGeom>
-          <a:ln>
-            <a:noFill/>
-          </a:ln>
-          <a:effectLst>
-            <a:outerShdw blurRad="292100" dist="139700" dir="2700000" algn="tl" rotWithShape="0">
-              <a:srgbClr val="333333">
-                <a:alpha val="65000"/>
-              </a:srgbClr>
-            </a:outerShdw>
-          </a:effectLst>
-        </p:spPr>
-      </p:pic>
-    </p:spTree>
-    <p:extLst>
-      <p:ext uri="{BB962C8B-B14F-4D97-AF65-F5344CB8AC3E}">
-        <p14:creationId xmlns:p14="http://schemas.microsoft.com/office/powerpoint/2010/main" val="600277595"/>
-      </p:ext>
-    </p:extLst>
-  </p:cSld>
-  <p:clrMapOvr>
-    <a:masterClrMapping/>
-  </p:clrMapOvr>
-</p:sld>
-</file>
-
-<file path=ppt/slides/slide14.xml><?xml version="1.0" encoding="utf-8"?>
-<p:sld xmlns:a="http://schemas.openxmlformats.org/drawingml/2006/main" xmlns:r="http://schemas.openxmlformats.org/officeDocument/2006/relationships" xmlns:p="http://schemas.openxmlformats.org/presentationml/2006/main">
-  <p:cSld>
-    <p:spTree>
-      <p:nvGrpSpPr>
-        <p:cNvPr id="1" name="Shape 126"/>
-        <p:cNvGrpSpPr/>
-        <p:nvPr/>
-      </p:nvGrpSpPr>
-      <p:grpSpPr>
-        <a:xfrm>
-          <a:off x="0" y="0"/>
-          <a:ext cx="0" cy="0"/>
-          <a:chOff x="0" y="0"/>
-          <a:chExt cx="0" cy="0"/>
-        </a:xfrm>
-      </p:grpSpPr>
-      <p:pic>
-        <p:nvPicPr>
-          <p:cNvPr id="129" name="Google Shape;129;p22"/>
-          <p:cNvPicPr preferRelativeResize="0"/>
-          <p:nvPr/>
-        </p:nvPicPr>
-        <p:blipFill>
-          <a:blip r:embed="rId3">
-            <a:alphaModFix/>
-          </a:blip>
-          <a:stretch>
-            <a:fillRect/>
-          </a:stretch>
-        </p:blipFill>
-        <p:spPr>
-          <a:xfrm>
-            <a:off x="268925" y="4359500"/>
-            <a:ext cx="862250" cy="581750"/>
-          </a:xfrm>
-          <a:prstGeom prst="rect">
-            <a:avLst/>
-          </a:prstGeom>
-          <a:noFill/>
-          <a:ln>
-            <a:noFill/>
-          </a:ln>
-        </p:spPr>
-      </p:pic>
-      <p:sp>
-        <p:nvSpPr>
-          <p:cNvPr id="2" name="TextBox 1">
-            <a:extLst>
-              <a:ext uri="{FF2B5EF4-FFF2-40B4-BE49-F238E27FC236}">
-                <a16:creationId xmlns:a16="http://schemas.microsoft.com/office/drawing/2014/main" id="{A28D948D-369C-B702-98D8-76BFF8794D17}"/>
-              </a:ext>
-            </a:extLst>
-          </p:cNvPr>
-          <p:cNvSpPr txBox="1"/>
-          <p:nvPr/>
-        </p:nvSpPr>
-        <p:spPr>
-          <a:xfrm>
-            <a:off x="8778240" y="4606349"/>
-            <a:ext cx="284052" cy="307777"/>
-          </a:xfrm>
-          <a:prstGeom prst="rect">
-            <a:avLst/>
-          </a:prstGeom>
-          <a:noFill/>
-        </p:spPr>
-        <p:txBody>
-          <a:bodyPr wrap="none" rtlCol="0">
-            <a:spAutoFit/>
-          </a:bodyPr>
-          <a:lstStyle/>
-          <a:p>
-            <a:fld id="{A35EEF41-5B9E-4186-8855-3C8162DCC2D6}" type="slidenum">
-              <a:rPr lang="uk-UA" smtClean="0"/>
-              <a:t>14</a:t>
             </a:fld>
             <a:endParaRPr lang="uk-UA" dirty="0"/>
           </a:p>
@@ -9944,7 +9529,7 @@
 </p:sld>
 </file>
 
-<file path=ppt/slides/slide15.xml><?xml version="1.0" encoding="utf-8"?>
+<file path=ppt/slides/slide14.xml><?xml version="1.0" encoding="utf-8"?>
 <p:sld xmlns:a="http://schemas.openxmlformats.org/drawingml/2006/main" xmlns:r="http://schemas.openxmlformats.org/officeDocument/2006/relationships" xmlns:p="http://schemas.openxmlformats.org/presentationml/2006/main">
   <p:cSld>
     <p:spTree>
@@ -10019,7 +9604,7 @@
           <a:p>
             <a:fld id="{A35EEF41-5B9E-4186-8855-3C8162DCC2D6}" type="slidenum">
               <a:rPr lang="uk-UA" smtClean="0"/>
-              <a:t>15</a:t>
+              <a:t>14</a:t>
             </a:fld>
             <a:endParaRPr lang="uk-UA" dirty="0"/>
           </a:p>
@@ -10154,7 +9739,7 @@
 </p:sld>
 </file>
 
-<file path=ppt/slides/slide16.xml><?xml version="1.0" encoding="utf-8"?>
+<file path=ppt/slides/slide15.xml><?xml version="1.0" encoding="utf-8"?>
 <p:sld xmlns:a="http://schemas.openxmlformats.org/drawingml/2006/main" xmlns:r="http://schemas.openxmlformats.org/officeDocument/2006/relationships" xmlns:p="http://schemas.openxmlformats.org/presentationml/2006/main">
   <p:cSld>
     <p:spTree>
@@ -10366,7 +9951,7 @@
           <a:p>
             <a:fld id="{A35EEF41-5B9E-4186-8855-3C8162DCC2D6}" type="slidenum">
               <a:rPr lang="uk-UA" smtClean="0"/>
-              <a:t>16</a:t>
+              <a:t>15</a:t>
             </a:fld>
             <a:endParaRPr lang="uk-UA" dirty="0"/>
           </a:p>

--- a/2025_Б_ПІ_ПЗПІ-21-6_Ткаченко_С_М.pptx
+++ b/2025_Б_ПІ_ПЗПІ-21-6_Ткаченко_С_М.pptx
@@ -13335,14 +13335,10 @@
       </p:sp>
       <p:pic>
         <p:nvPicPr>
-          <p:cNvPr id="10" name="Picture 9">
-            <a:extLst>
-              <a:ext uri="{FF2B5EF4-FFF2-40B4-BE49-F238E27FC236}">
-                <a16:creationId xmlns:a16="http://schemas.microsoft.com/office/drawing/2014/main" id="{6360DB80-27B5-4B77-A93F-BEFB09A33167}"/>
-              </a:ext>
-            </a:extLst>
-          </p:cNvPr>
-          <p:cNvPicPr/>
+          <p:cNvPr id="3" name="Рисунок 2"/>
+          <p:cNvPicPr>
+            <a:picLocks noChangeAspect="1"/>
+          </p:cNvPicPr>
           <p:nvPr/>
         </p:nvPicPr>
         <p:blipFill>
@@ -13353,8 +13349,8 @@
         </p:blipFill>
         <p:spPr>
           <a:xfrm>
-            <a:off x="408535" y="3066542"/>
-            <a:ext cx="4109406" cy="1265834"/>
+            <a:off x="438156" y="3063790"/>
+            <a:ext cx="3824658" cy="1252653"/>
           </a:xfrm>
           <a:prstGeom prst="rect">
             <a:avLst/>
@@ -13363,14 +13359,10 @@
       </p:pic>
       <p:pic>
         <p:nvPicPr>
-          <p:cNvPr id="12" name="Picture 11">
-            <a:extLst>
-              <a:ext uri="{FF2B5EF4-FFF2-40B4-BE49-F238E27FC236}">
-                <a16:creationId xmlns:a16="http://schemas.microsoft.com/office/drawing/2014/main" id="{9E1DE12C-A037-43A2-B47A-B0FE74651544}"/>
-              </a:ext>
-            </a:extLst>
-          </p:cNvPr>
-          <p:cNvPicPr/>
+          <p:cNvPr id="4" name="Рисунок 3"/>
+          <p:cNvPicPr>
+            <a:picLocks noChangeAspect="1"/>
+          </p:cNvPicPr>
           <p:nvPr/>
         </p:nvPicPr>
         <p:blipFill>
@@ -13381,8 +13373,8 @@
         </p:blipFill>
         <p:spPr>
           <a:xfrm>
-            <a:off x="4668835" y="3063790"/>
-            <a:ext cx="4109405" cy="1267906"/>
+            <a:off x="4572000" y="3057631"/>
+            <a:ext cx="3654216" cy="1243560"/>
           </a:xfrm>
           <a:prstGeom prst="rect">
             <a:avLst/>
